--- a/Lernkarten_neu_Vorlage.pptx
+++ b/Lernkarten_neu_Vorlage.pptx
@@ -244,7 +244,7 @@
           <a:p>
             <a:fld id="{9B57CDCC-5575-450F-9C25-C9310B1E03A6}" type="datetimeFigureOut">
               <a:rPr lang="de-CH" smtClean="0"/>
-              <a:t>25.03.2021</a:t>
+              <a:t>06.04.2021</a:t>
             </a:fld>
             <a:endParaRPr lang="de-CH" dirty="0"/>
           </a:p>
@@ -414,7 +414,7 @@
           <a:p>
             <a:fld id="{9B57CDCC-5575-450F-9C25-C9310B1E03A6}" type="datetimeFigureOut">
               <a:rPr lang="de-CH" smtClean="0"/>
-              <a:t>25.03.2021</a:t>
+              <a:t>06.04.2021</a:t>
             </a:fld>
             <a:endParaRPr lang="de-CH" dirty="0"/>
           </a:p>
@@ -594,7 +594,7 @@
           <a:p>
             <a:fld id="{9B57CDCC-5575-450F-9C25-C9310B1E03A6}" type="datetimeFigureOut">
               <a:rPr lang="de-CH" smtClean="0"/>
-              <a:t>25.03.2021</a:t>
+              <a:t>06.04.2021</a:t>
             </a:fld>
             <a:endParaRPr lang="de-CH" dirty="0"/>
           </a:p>
@@ -764,7 +764,7 @@
           <a:p>
             <a:fld id="{9B57CDCC-5575-450F-9C25-C9310B1E03A6}" type="datetimeFigureOut">
               <a:rPr lang="de-CH" smtClean="0"/>
-              <a:t>25.03.2021</a:t>
+              <a:t>06.04.2021</a:t>
             </a:fld>
             <a:endParaRPr lang="de-CH" dirty="0"/>
           </a:p>
@@ -1008,7 +1008,7 @@
           <a:p>
             <a:fld id="{9B57CDCC-5575-450F-9C25-C9310B1E03A6}" type="datetimeFigureOut">
               <a:rPr lang="de-CH" smtClean="0"/>
-              <a:t>25.03.2021</a:t>
+              <a:t>06.04.2021</a:t>
             </a:fld>
             <a:endParaRPr lang="de-CH" dirty="0"/>
           </a:p>
@@ -1240,7 +1240,7 @@
           <a:p>
             <a:fld id="{9B57CDCC-5575-450F-9C25-C9310B1E03A6}" type="datetimeFigureOut">
               <a:rPr lang="de-CH" smtClean="0"/>
-              <a:t>25.03.2021</a:t>
+              <a:t>06.04.2021</a:t>
             </a:fld>
             <a:endParaRPr lang="de-CH" dirty="0"/>
           </a:p>
@@ -1607,7 +1607,7 @@
           <a:p>
             <a:fld id="{9B57CDCC-5575-450F-9C25-C9310B1E03A6}" type="datetimeFigureOut">
               <a:rPr lang="de-CH" smtClean="0"/>
-              <a:t>25.03.2021</a:t>
+              <a:t>06.04.2021</a:t>
             </a:fld>
             <a:endParaRPr lang="de-CH" dirty="0"/>
           </a:p>
@@ -1725,7 +1725,7 @@
           <a:p>
             <a:fld id="{9B57CDCC-5575-450F-9C25-C9310B1E03A6}" type="datetimeFigureOut">
               <a:rPr lang="de-CH" smtClean="0"/>
-              <a:t>25.03.2021</a:t>
+              <a:t>06.04.2021</a:t>
             </a:fld>
             <a:endParaRPr lang="de-CH" dirty="0"/>
           </a:p>
@@ -1820,7 +1820,7 @@
           <a:p>
             <a:fld id="{9B57CDCC-5575-450F-9C25-C9310B1E03A6}" type="datetimeFigureOut">
               <a:rPr lang="de-CH" smtClean="0"/>
-              <a:t>25.03.2021</a:t>
+              <a:t>06.04.2021</a:t>
             </a:fld>
             <a:endParaRPr lang="de-CH" dirty="0"/>
           </a:p>
@@ -2097,7 +2097,7 @@
           <a:p>
             <a:fld id="{9B57CDCC-5575-450F-9C25-C9310B1E03A6}" type="datetimeFigureOut">
               <a:rPr lang="de-CH" smtClean="0"/>
-              <a:t>25.03.2021</a:t>
+              <a:t>06.04.2021</a:t>
             </a:fld>
             <a:endParaRPr lang="de-CH" dirty="0"/>
           </a:p>
@@ -2354,7 +2354,7 @@
           <a:p>
             <a:fld id="{9B57CDCC-5575-450F-9C25-C9310B1E03A6}" type="datetimeFigureOut">
               <a:rPr lang="de-CH" smtClean="0"/>
-              <a:t>25.03.2021</a:t>
+              <a:t>06.04.2021</a:t>
             </a:fld>
             <a:endParaRPr lang="de-CH" dirty="0"/>
           </a:p>
@@ -2567,7 +2567,7 @@
           <a:p>
             <a:fld id="{9B57CDCC-5575-450F-9C25-C9310B1E03A6}" type="datetimeFigureOut">
               <a:rPr lang="de-CH" smtClean="0"/>
-              <a:t>25.03.2021</a:t>
+              <a:t>06.04.2021</a:t>
             </a:fld>
             <a:endParaRPr lang="de-CH" dirty="0"/>
           </a:p>
@@ -4169,7 +4169,7 @@
         <p:spPr>
           <a:xfrm>
             <a:off x="91440" y="143691"/>
-            <a:ext cx="276038" cy="307777"/>
+            <a:ext cx="3233058" cy="307777"/>
           </a:xfrm>
           <a:prstGeom prst="rect">
             <a:avLst/>
@@ -4177,7 +4177,7 @@
           <a:noFill/>
         </p:spPr>
         <p:txBody>
-          <a:bodyPr wrap="none" rtlCol="0">
+          <a:bodyPr wrap="square" rtlCol="0">
             <a:spAutoFit/>
           </a:bodyPr>
           <a:lstStyle/>
@@ -4203,8 +4203,8 @@
         </p:nvSpPr>
         <p:spPr>
           <a:xfrm>
-            <a:off x="3533503" y="143690"/>
-            <a:ext cx="276038" cy="307777"/>
+            <a:off x="3533502" y="143690"/>
+            <a:ext cx="3233057" cy="307777"/>
           </a:xfrm>
           <a:prstGeom prst="rect">
             <a:avLst/>
@@ -4212,7 +4212,7 @@
           <a:noFill/>
         </p:spPr>
         <p:txBody>
-          <a:bodyPr wrap="none" rtlCol="0">
+          <a:bodyPr wrap="square" rtlCol="0">
             <a:spAutoFit/>
           </a:bodyPr>
           <a:lstStyle/>
@@ -4239,7 +4239,7 @@
         <p:spPr>
           <a:xfrm>
             <a:off x="91440" y="2601135"/>
-            <a:ext cx="276038" cy="307777"/>
+            <a:ext cx="3233058" cy="307777"/>
           </a:xfrm>
           <a:prstGeom prst="rect">
             <a:avLst/>
@@ -4247,7 +4247,7 @@
           <a:noFill/>
         </p:spPr>
         <p:txBody>
-          <a:bodyPr wrap="none" rtlCol="0">
+          <a:bodyPr wrap="square" rtlCol="0">
             <a:spAutoFit/>
           </a:bodyPr>
           <a:lstStyle/>
@@ -4273,8 +4273,8 @@
         </p:nvSpPr>
         <p:spPr>
           <a:xfrm>
-            <a:off x="3533503" y="2601134"/>
-            <a:ext cx="276038" cy="307777"/>
+            <a:off x="3533503" y="2601135"/>
+            <a:ext cx="3233056" cy="307776"/>
           </a:xfrm>
           <a:prstGeom prst="rect">
             <a:avLst/>
@@ -4282,7 +4282,7 @@
           <a:noFill/>
         </p:spPr>
         <p:txBody>
-          <a:bodyPr wrap="none" rtlCol="0">
+          <a:bodyPr wrap="square" rtlCol="0">
             <a:spAutoFit/>
           </a:bodyPr>
           <a:lstStyle/>
@@ -4308,8 +4308,8 @@
         </p:nvSpPr>
         <p:spPr>
           <a:xfrm>
-            <a:off x="91440" y="5051060"/>
-            <a:ext cx="276038" cy="307777"/>
+            <a:off x="91440" y="5051061"/>
+            <a:ext cx="3233058" cy="307776"/>
           </a:xfrm>
           <a:prstGeom prst="rect">
             <a:avLst/>
@@ -4317,7 +4317,7 @@
           <a:noFill/>
         </p:spPr>
         <p:txBody>
-          <a:bodyPr wrap="none" rtlCol="0">
+          <a:bodyPr wrap="square" rtlCol="0">
             <a:spAutoFit/>
           </a:bodyPr>
           <a:lstStyle/>
@@ -4343,8 +4343,8 @@
         </p:nvSpPr>
         <p:spPr>
           <a:xfrm>
-            <a:off x="3533503" y="5051059"/>
-            <a:ext cx="276038" cy="307777"/>
+            <a:off x="3533502" y="5051060"/>
+            <a:ext cx="3233055" cy="307776"/>
           </a:xfrm>
           <a:prstGeom prst="rect">
             <a:avLst/>
@@ -4352,7 +4352,7 @@
           <a:noFill/>
         </p:spPr>
         <p:txBody>
-          <a:bodyPr wrap="none" rtlCol="0">
+          <a:bodyPr wrap="square" rtlCol="0">
             <a:spAutoFit/>
           </a:bodyPr>
           <a:lstStyle/>
@@ -4378,8 +4378,8 @@
         </p:nvSpPr>
         <p:spPr>
           <a:xfrm>
-            <a:off x="91440" y="7526034"/>
-            <a:ext cx="276038" cy="307777"/>
+            <a:off x="91440" y="7526035"/>
+            <a:ext cx="3233058" cy="307776"/>
           </a:xfrm>
           <a:prstGeom prst="rect">
             <a:avLst/>
@@ -4387,7 +4387,7 @@
           <a:noFill/>
         </p:spPr>
         <p:txBody>
-          <a:bodyPr wrap="none" rtlCol="0">
+          <a:bodyPr wrap="square" rtlCol="0">
             <a:spAutoFit/>
           </a:bodyPr>
           <a:lstStyle/>
@@ -4414,7 +4414,7 @@
         <p:spPr>
           <a:xfrm>
             <a:off x="3533503" y="7526033"/>
-            <a:ext cx="276038" cy="307777"/>
+            <a:ext cx="3233054" cy="307777"/>
           </a:xfrm>
           <a:prstGeom prst="rect">
             <a:avLst/>
@@ -4422,7 +4422,7 @@
           <a:noFill/>
         </p:spPr>
         <p:txBody>
-          <a:bodyPr wrap="none" rtlCol="0">
+          <a:bodyPr wrap="square" rtlCol="0">
             <a:spAutoFit/>
           </a:bodyPr>
           <a:lstStyle/>
